--- a/documents/발표/[최종발표]개발보고안_V1.pptx
+++ b/documents/발표/[최종발표]개발보고안_V1.pptx
@@ -1,6 +1,6 @@
 
 <file path=ppt/presentation.xml><?xml version="1.0" encoding="utf-8"?>
-<p:presentation xmlns:a="http://schemas.openxmlformats.org/drawingml/2006/main" xmlns:r="http://schemas.openxmlformats.org/officeDocument/2006/relationships" xmlns:p="http://schemas.openxmlformats.org/presentationml/2006/main" saveSubsetFonts="1">
+<p:presentation xmlns:a="http://schemas.openxmlformats.org/drawingml/2006/main" xmlns:r="http://schemas.openxmlformats.org/officeDocument/2006/relationships" xmlns:p="http://schemas.openxmlformats.org/presentationml/2006/main" embedTrueTypeFonts="1" saveSubsetFonts="1">
   <p:sldMasterIdLst>
     <p:sldMasterId id="2147483648" r:id="rId1"/>
   </p:sldMasterIdLst>
@@ -30,6 +30,50 @@
   </p:sldIdLst>
   <p:sldSz cx="12192000" cy="6858000"/>
   <p:notesSz cx="6858000" cy="9144000"/>
+  <p:embeddedFontLst>
+    <p:embeddedFont>
+      <p:font typeface="a아시아고딕L" panose="02020600000000000000" pitchFamily="18" charset="-127"/>
+      <p:regular r:id="rId22"/>
+    </p:embeddedFont>
+    <p:embeddedFont>
+      <p:font typeface="Segoe UI Light" panose="020B0502040204020203" pitchFamily="34" charset="0"/>
+      <p:regular r:id="rId23"/>
+      <p:italic r:id="rId24"/>
+    </p:embeddedFont>
+    <p:embeddedFont>
+      <p:font typeface="나눔스퀘어_ac ExtraBold" panose="020B0600000101010101" pitchFamily="50" charset="-127"/>
+      <p:bold r:id="rId25"/>
+    </p:embeddedFont>
+    <p:embeddedFont>
+      <p:font typeface="나눔스퀘어 Bold" panose="020B0600000101010101" pitchFamily="50" charset="-127"/>
+      <p:bold r:id="rId26"/>
+    </p:embeddedFont>
+    <p:embeddedFont>
+      <p:font typeface="나눔스퀘어라운드 ExtraBold" panose="020B0600000101010101" pitchFamily="50" charset="-127"/>
+      <p:bold r:id="rId27"/>
+    </p:embeddedFont>
+    <p:embeddedFont>
+      <p:font typeface="나눔스퀘어_ac Bold" panose="020B0600000101010101" pitchFamily="50" charset="-127"/>
+      <p:bold r:id="rId28"/>
+    </p:embeddedFont>
+    <p:embeddedFont>
+      <p:font typeface="a아시아고딕E" panose="02020600000000000000" pitchFamily="18" charset="-127"/>
+      <p:regular r:id="rId29"/>
+    </p:embeddedFont>
+    <p:embeddedFont>
+      <p:font typeface="나눔바른고딕 Light" panose="020B0603020101020101" pitchFamily="50" charset="-127"/>
+      <p:regular r:id="rId30"/>
+    </p:embeddedFont>
+    <p:embeddedFont>
+      <p:font typeface="맑은 고딕" panose="020B0503020000020004" pitchFamily="50" charset="-127"/>
+      <p:regular r:id="rId31"/>
+      <p:bold r:id="rId32"/>
+    </p:embeddedFont>
+    <p:embeddedFont>
+      <p:font typeface="a아시아고딕B" panose="02020600000000000000" pitchFamily="18" charset="-127"/>
+      <p:regular r:id="rId33"/>
+    </p:embeddedFont>
+  </p:embeddedFontLst>
   <p:defaultTextStyle>
     <a:defPPr>
       <a:defRPr lang="ko-KR"/>
@@ -226,7 +270,7 @@
           <a:p>
             <a:fld id="{27F4A56C-8779-4493-957F-2D98FEB1E8F1}" type="datetimeFigureOut">
               <a:rPr lang="ko-KR" altLang="en-US" smtClean="0"/>
-              <a:t>2021-04-08</a:t>
+              <a:t>2021-04-09</a:t>
             </a:fld>
             <a:endParaRPr lang="ko-KR" altLang="en-US"/>
           </a:p>
@@ -1131,7 +1175,7 @@
           <a:p>
             <a:fld id="{736D2074-14CD-449E-875E-0D2CA45212DC}" type="datetimeFigureOut">
               <a:rPr lang="ko-KR" altLang="en-US" smtClean="0"/>
-              <a:t>2021-04-08</a:t>
+              <a:t>2021-04-09</a:t>
             </a:fld>
             <a:endParaRPr lang="ko-KR" altLang="en-US"/>
           </a:p>
@@ -1301,7 +1345,7 @@
           <a:p>
             <a:fld id="{736D2074-14CD-449E-875E-0D2CA45212DC}" type="datetimeFigureOut">
               <a:rPr lang="ko-KR" altLang="en-US" smtClean="0"/>
-              <a:t>2021-04-08</a:t>
+              <a:t>2021-04-09</a:t>
             </a:fld>
             <a:endParaRPr lang="ko-KR" altLang="en-US"/>
           </a:p>
@@ -1481,7 +1525,7 @@
           <a:p>
             <a:fld id="{736D2074-14CD-449E-875E-0D2CA45212DC}" type="datetimeFigureOut">
               <a:rPr lang="ko-KR" altLang="en-US" smtClean="0"/>
-              <a:t>2021-04-08</a:t>
+              <a:t>2021-04-09</a:t>
             </a:fld>
             <a:endParaRPr lang="ko-KR" altLang="en-US"/>
           </a:p>
@@ -1651,7 +1695,7 @@
           <a:p>
             <a:fld id="{736D2074-14CD-449E-875E-0D2CA45212DC}" type="datetimeFigureOut">
               <a:rPr lang="ko-KR" altLang="en-US" smtClean="0"/>
-              <a:t>2021-04-08</a:t>
+              <a:t>2021-04-09</a:t>
             </a:fld>
             <a:endParaRPr lang="ko-KR" altLang="en-US"/>
           </a:p>
@@ -1897,7 +1941,7 @@
           <a:p>
             <a:fld id="{736D2074-14CD-449E-875E-0D2CA45212DC}" type="datetimeFigureOut">
               <a:rPr lang="ko-KR" altLang="en-US" smtClean="0"/>
-              <a:t>2021-04-08</a:t>
+              <a:t>2021-04-09</a:t>
             </a:fld>
             <a:endParaRPr lang="ko-KR" altLang="en-US"/>
           </a:p>
@@ -2129,7 +2173,7 @@
           <a:p>
             <a:fld id="{736D2074-14CD-449E-875E-0D2CA45212DC}" type="datetimeFigureOut">
               <a:rPr lang="ko-KR" altLang="en-US" smtClean="0"/>
-              <a:t>2021-04-08</a:t>
+              <a:t>2021-04-09</a:t>
             </a:fld>
             <a:endParaRPr lang="ko-KR" altLang="en-US"/>
           </a:p>
@@ -2496,7 +2540,7 @@
           <a:p>
             <a:fld id="{736D2074-14CD-449E-875E-0D2CA45212DC}" type="datetimeFigureOut">
               <a:rPr lang="ko-KR" altLang="en-US" smtClean="0"/>
-              <a:t>2021-04-08</a:t>
+              <a:t>2021-04-09</a:t>
             </a:fld>
             <a:endParaRPr lang="ko-KR" altLang="en-US"/>
           </a:p>
@@ -2614,7 +2658,7 @@
           <a:p>
             <a:fld id="{736D2074-14CD-449E-875E-0D2CA45212DC}" type="datetimeFigureOut">
               <a:rPr lang="ko-KR" altLang="en-US" smtClean="0"/>
-              <a:t>2021-04-08</a:t>
+              <a:t>2021-04-09</a:t>
             </a:fld>
             <a:endParaRPr lang="ko-KR" altLang="en-US"/>
           </a:p>
@@ -2709,7 +2753,7 @@
           <a:p>
             <a:fld id="{736D2074-14CD-449E-875E-0D2CA45212DC}" type="datetimeFigureOut">
               <a:rPr lang="ko-KR" altLang="en-US" smtClean="0"/>
-              <a:t>2021-04-08</a:t>
+              <a:t>2021-04-09</a:t>
             </a:fld>
             <a:endParaRPr lang="ko-KR" altLang="en-US"/>
           </a:p>
@@ -2986,7 +3030,7 @@
           <a:p>
             <a:fld id="{736D2074-14CD-449E-875E-0D2CA45212DC}" type="datetimeFigureOut">
               <a:rPr lang="ko-KR" altLang="en-US" smtClean="0"/>
-              <a:t>2021-04-08</a:t>
+              <a:t>2021-04-09</a:t>
             </a:fld>
             <a:endParaRPr lang="ko-KR" altLang="en-US"/>
           </a:p>
@@ -3239,7 +3283,7 @@
           <a:p>
             <a:fld id="{736D2074-14CD-449E-875E-0D2CA45212DC}" type="datetimeFigureOut">
               <a:rPr lang="ko-KR" altLang="en-US" smtClean="0"/>
-              <a:t>2021-04-08</a:t>
+              <a:t>2021-04-09</a:t>
             </a:fld>
             <a:endParaRPr lang="ko-KR" altLang="en-US"/>
           </a:p>
@@ -3452,7 +3496,7 @@
           <a:p>
             <a:fld id="{736D2074-14CD-449E-875E-0D2CA45212DC}" type="datetimeFigureOut">
               <a:rPr lang="ko-KR" altLang="en-US" smtClean="0"/>
-              <a:t>2021-04-08</a:t>
+              <a:t>2021-04-09</a:t>
             </a:fld>
             <a:endParaRPr lang="ko-KR" altLang="en-US"/>
           </a:p>
@@ -4196,14 +4240,7 @@
                 <a:latin typeface="나눔스퀘어_ac Bold" panose="020B0600000101010101" pitchFamily="50" charset="-127"/>
                 <a:ea typeface="나눔스퀘어_ac Bold" panose="020B0600000101010101" pitchFamily="50" charset="-127"/>
               </a:rPr>
-              <a:t>개발진</a:t>
-            </a:r>
-            <a:r>
-              <a:rPr lang="ko-KR" altLang="en-US" dirty="0" err="1" smtClean="0">
-                <a:latin typeface="나눔스퀘어_ac Bold" panose="020B0600000101010101" pitchFamily="50" charset="-127"/>
-                <a:ea typeface="나눔스퀘어_ac Bold" panose="020B0600000101010101" pitchFamily="50" charset="-127"/>
-              </a:rPr>
-              <a:t>행</a:t>
+              <a:t>개발진행</a:t>
             </a:r>
             <a:endParaRPr lang="ko-KR" altLang="en-US" dirty="0">
               <a:latin typeface="나눔스퀘어_ac Bold" panose="020B0600000101010101" pitchFamily="50" charset="-127"/>
@@ -6124,14 +6161,7 @@
                 <a:latin typeface="나눔스퀘어_ac Bold" panose="020B0600000101010101" pitchFamily="50" charset="-127"/>
                 <a:ea typeface="나눔스퀘어_ac Bold" panose="020B0600000101010101" pitchFamily="50" charset="-127"/>
               </a:rPr>
-              <a:t>개발진</a:t>
-            </a:r>
-            <a:r>
-              <a:rPr lang="ko-KR" altLang="en-US" dirty="0" err="1" smtClean="0">
-                <a:latin typeface="나눔스퀘어_ac Bold" panose="020B0600000101010101" pitchFamily="50" charset="-127"/>
-                <a:ea typeface="나눔스퀘어_ac Bold" panose="020B0600000101010101" pitchFamily="50" charset="-127"/>
-              </a:rPr>
-              <a:t>행</a:t>
+              <a:t>개발진행</a:t>
             </a:r>
             <a:endParaRPr lang="ko-KR" altLang="en-US" dirty="0">
               <a:latin typeface="나눔스퀘어_ac Bold" panose="020B0600000101010101" pitchFamily="50" charset="-127"/>
@@ -7205,14 +7235,7 @@
                 <a:latin typeface="나눔스퀘어_ac Bold" panose="020B0600000101010101" pitchFamily="50" charset="-127"/>
                 <a:ea typeface="나눔스퀘어_ac Bold" panose="020B0600000101010101" pitchFamily="50" charset="-127"/>
               </a:rPr>
-              <a:t>기능</a:t>
-            </a:r>
-            <a:r>
-              <a:rPr lang="ko-KR" altLang="en-US" sz="2400" dirty="0" err="1" smtClean="0">
-                <a:latin typeface="나눔스퀘어_ac Bold" panose="020B0600000101010101" pitchFamily="50" charset="-127"/>
-                <a:ea typeface="나눔스퀘어_ac Bold" panose="020B0600000101010101" pitchFamily="50" charset="-127"/>
-              </a:rPr>
-              <a:t>시연</a:t>
+              <a:t>기능시연</a:t>
             </a:r>
             <a:endParaRPr lang="ko-KR" altLang="en-US" sz="2400" dirty="0">
               <a:latin typeface="나눔스퀘어_ac Bold" panose="020B0600000101010101" pitchFamily="50" charset="-127"/>
@@ -11125,11 +11148,7 @@
             </a:r>
             <a:r>
               <a:rPr lang="ko-KR" altLang="en-US" dirty="0" smtClean="0"/>
-              <a:t> </a:t>
-            </a:r>
-            <a:r>
-              <a:rPr lang="ko-KR" altLang="en-US" dirty="0" smtClean="0"/>
-              <a:t>구</a:t>
+              <a:t> 구</a:t>
             </a:r>
             <a:r>
               <a:rPr lang="ko-KR" altLang="en-US" dirty="0"/>
@@ -15760,14 +15779,7 @@
                 <a:latin typeface="나눔스퀘어_ac Bold" panose="020B0600000101010101" pitchFamily="50" charset="-127"/>
                 <a:ea typeface="나눔스퀘어_ac Bold" panose="020B0600000101010101" pitchFamily="50" charset="-127"/>
               </a:rPr>
-              <a:t>개발진</a:t>
-            </a:r>
-            <a:r>
-              <a:rPr lang="ko-KR" altLang="en-US" dirty="0" err="1" smtClean="0">
-                <a:latin typeface="나눔스퀘어_ac Bold" panose="020B0600000101010101" pitchFamily="50" charset="-127"/>
-                <a:ea typeface="나눔스퀘어_ac Bold" panose="020B0600000101010101" pitchFamily="50" charset="-127"/>
-              </a:rPr>
-              <a:t>행</a:t>
+              <a:t>개발진행</a:t>
             </a:r>
             <a:endParaRPr lang="ko-KR" altLang="en-US" dirty="0">
               <a:latin typeface="나눔스퀘어_ac Bold" panose="020B0600000101010101" pitchFamily="50" charset="-127"/>

--- a/documents/발표/[최종발표]개발보고안_V1.pptx
+++ b/documents/발표/[최종발표]개발보고안_V1.pptx
@@ -32,36 +32,36 @@
   <p:notesSz cx="6858000" cy="9144000"/>
   <p:embeddedFontLst>
     <p:embeddedFont>
-      <p:font typeface="a아시아고딕L" panose="02020600000000000000" pitchFamily="18" charset="-127"/>
-      <p:regular r:id="rId22"/>
+      <p:font typeface="나눔스퀘어_ac Bold" panose="020B0600000101010101" pitchFamily="50" charset="-127"/>
+      <p:bold r:id="rId22"/>
+    </p:embeddedFont>
+    <p:embeddedFont>
+      <p:font typeface="a아시아고딕B" panose="02020600000000000000" pitchFamily="18" charset="-127"/>
+      <p:regular r:id="rId23"/>
+    </p:embeddedFont>
+    <p:embeddedFont>
+      <p:font typeface="나눔스퀘어라운드 ExtraBold" panose="020B0600000101010101" pitchFamily="50" charset="-127"/>
+      <p:bold r:id="rId24"/>
     </p:embeddedFont>
     <p:embeddedFont>
       <p:font typeface="Segoe UI Light" panose="020B0502040204020203" pitchFamily="34" charset="0"/>
-      <p:regular r:id="rId23"/>
-      <p:italic r:id="rId24"/>
+      <p:regular r:id="rId25"/>
+      <p:italic r:id="rId26"/>
+    </p:embeddedFont>
+    <p:embeddedFont>
+      <p:font typeface="나눔스퀘어 Bold" panose="020B0600000101010101" pitchFamily="50" charset="-127"/>
+      <p:bold r:id="rId27"/>
+    </p:embeddedFont>
+    <p:embeddedFont>
+      <p:font typeface="a아시아고딕L" panose="02020600000000000000" pitchFamily="18" charset="-127"/>
+      <p:regular r:id="rId28"/>
     </p:embeddedFont>
     <p:embeddedFont>
       <p:font typeface="나눔스퀘어_ac ExtraBold" panose="020B0600000101010101" pitchFamily="50" charset="-127"/>
-      <p:bold r:id="rId25"/>
-    </p:embeddedFont>
-    <p:embeddedFont>
-      <p:font typeface="나눔스퀘어 Bold" panose="020B0600000101010101" pitchFamily="50" charset="-127"/>
-      <p:bold r:id="rId26"/>
-    </p:embeddedFont>
-    <p:embeddedFont>
-      <p:font typeface="나눔스퀘어라운드 ExtraBold" panose="020B0600000101010101" pitchFamily="50" charset="-127"/>
-      <p:bold r:id="rId27"/>
-    </p:embeddedFont>
-    <p:embeddedFont>
-      <p:font typeface="나눔스퀘어_ac Bold" panose="020B0600000101010101" pitchFamily="50" charset="-127"/>
-      <p:bold r:id="rId28"/>
+      <p:bold r:id="rId29"/>
     </p:embeddedFont>
     <p:embeddedFont>
       <p:font typeface="a아시아고딕E" panose="02020600000000000000" pitchFamily="18" charset="-127"/>
-      <p:regular r:id="rId29"/>
-    </p:embeddedFont>
-    <p:embeddedFont>
-      <p:font typeface="나눔바른고딕 Light" panose="020B0603020101020101" pitchFamily="50" charset="-127"/>
       <p:regular r:id="rId30"/>
     </p:embeddedFont>
     <p:embeddedFont>
@@ -70,7 +70,7 @@
       <p:bold r:id="rId32"/>
     </p:embeddedFont>
     <p:embeddedFont>
-      <p:font typeface="a아시아고딕B" panose="02020600000000000000" pitchFamily="18" charset="-127"/>
+      <p:font typeface="나눔바른고딕 Light" panose="020B0603020101020101" pitchFamily="50" charset="-127"/>
       <p:regular r:id="rId33"/>
     </p:embeddedFont>
   </p:embeddedFontLst>
@@ -7969,147 +7969,6 @@
       </p:grpSpPr>
       <p:grpSp>
         <p:nvGrpSpPr>
-          <p:cNvPr id="1001" name="그룹 1001"/>
-          <p:cNvGrpSpPr/>
-          <p:nvPr/>
-        </p:nvGrpSpPr>
-        <p:grpSpPr>
-          <a:xfrm>
-            <a:off x="1183520" y="4085760"/>
-            <a:ext cx="10081697" cy="1005024"/>
-            <a:chOff x="1917400" y="6128639"/>
-            <a:chExt cx="15122546" cy="1507536"/>
-          </a:xfrm>
-        </p:grpSpPr>
-        <p:grpSp>
-          <p:nvGrpSpPr>
-            <p:cNvPr id="1002" name="그룹 1002"/>
-            <p:cNvGrpSpPr/>
-            <p:nvPr/>
-          </p:nvGrpSpPr>
-          <p:grpSpPr>
-            <a:xfrm>
-              <a:off x="1917400" y="6128639"/>
-              <a:ext cx="15122546" cy="1507536"/>
-              <a:chOff x="1917400" y="6128639"/>
-              <a:chExt cx="15122546" cy="1507536"/>
-            </a:xfrm>
-          </p:grpSpPr>
-          <p:pic>
-            <p:nvPicPr>
-              <p:cNvPr id="4" name="Object 3"/>
-              <p:cNvPicPr>
-                <a:picLocks noChangeAspect="1"/>
-              </p:cNvPicPr>
-              <p:nvPr/>
-            </p:nvPicPr>
-            <p:blipFill>
-              <a:blip r:embed="rId3" cstate="print"/>
-              <a:stretch>
-                <a:fillRect/>
-              </a:stretch>
-            </p:blipFill>
-            <p:spPr>
-              <a:xfrm>
-                <a:off x="1860259" y="6702864"/>
-                <a:ext cx="13190476" cy="1104762"/>
-              </a:xfrm>
-              <a:prstGeom prst="rect">
-                <a:avLst/>
-              </a:prstGeom>
-            </p:spPr>
-          </p:pic>
-          <p:pic>
-            <p:nvPicPr>
-              <p:cNvPr id="5" name="Object 4"/>
-              <p:cNvPicPr>
-                <a:picLocks noChangeAspect="1"/>
-              </p:cNvPicPr>
-              <p:nvPr/>
-            </p:nvPicPr>
-            <p:blipFill>
-              <a:blip r:embed="rId4" cstate="print"/>
-              <a:stretch>
-                <a:fillRect/>
-              </a:stretch>
-            </p:blipFill>
-            <p:spPr>
-              <a:xfrm>
-                <a:off x="5909410" y="6008713"/>
-                <a:ext cx="2476190" cy="1438095"/>
-              </a:xfrm>
-              <a:prstGeom prst="rect">
-                <a:avLst/>
-              </a:prstGeom>
-            </p:spPr>
-          </p:pic>
-          <p:pic>
-            <p:nvPicPr>
-              <p:cNvPr id="6" name="Object 5"/>
-              <p:cNvPicPr>
-                <a:picLocks noChangeAspect="1"/>
-              </p:cNvPicPr>
-              <p:nvPr/>
-            </p:nvPicPr>
-            <p:blipFill>
-              <a:blip r:embed="rId5" cstate="print"/>
-              <a:stretch>
-                <a:fillRect/>
-              </a:stretch>
-            </p:blipFill>
-            <p:spPr>
-              <a:xfrm>
-                <a:off x="11179482" y="6022092"/>
-                <a:ext cx="2809524" cy="1438095"/>
-              </a:xfrm>
-              <a:prstGeom prst="rect">
-                <a:avLst/>
-              </a:prstGeom>
-            </p:spPr>
-          </p:pic>
-        </p:grpSp>
-        <p:grpSp>
-          <p:nvGrpSpPr>
-            <p:cNvPr id="1003" name="그룹 1003"/>
-            <p:cNvGrpSpPr/>
-            <p:nvPr/>
-          </p:nvGrpSpPr>
-          <p:grpSpPr>
-            <a:xfrm>
-              <a:off x="9294516" y="6373267"/>
-              <a:ext cx="591116" cy="582250"/>
-              <a:chOff x="9294516" y="6373267"/>
-              <a:chExt cx="591116" cy="582250"/>
-            </a:xfrm>
-          </p:grpSpPr>
-          <p:pic>
-            <p:nvPicPr>
-              <p:cNvPr id="9" name="Object 8"/>
-              <p:cNvPicPr>
-                <a:picLocks noChangeAspect="1"/>
-              </p:cNvPicPr>
-              <p:nvPr/>
-            </p:nvPicPr>
-            <p:blipFill>
-              <a:blip r:embed="rId6" cstate="print"/>
-              <a:stretch>
-                <a:fillRect/>
-              </a:stretch>
-            </p:blipFill>
-            <p:spPr>
-              <a:xfrm>
-                <a:off x="9294516" y="6373267"/>
-                <a:ext cx="591116" cy="582250"/>
-              </a:xfrm>
-              <a:prstGeom prst="rect">
-                <a:avLst/>
-              </a:prstGeom>
-            </p:spPr>
-          </p:pic>
-        </p:grpSp>
-      </p:grpSp>
-      <p:grpSp>
-        <p:nvGrpSpPr>
           <p:cNvPr id="1004" name="그룹 1004"/>
           <p:cNvGrpSpPr/>
           <p:nvPr/>
@@ -8131,7 +7990,7 @@
             <p:nvPr/>
           </p:nvPicPr>
           <p:blipFill>
-            <a:blip r:embed="rId7" cstate="print"/>
+            <a:blip r:embed="rId3" cstate="print"/>
             <a:stretch>
               <a:fillRect/>
             </a:stretch>
@@ -8193,6 +8052,52 @@
           </a:p>
         </p:txBody>
       </p:sp>
+      <p:pic>
+        <p:nvPicPr>
+          <p:cNvPr id="2" name="그림 1"/>
+          <p:cNvPicPr>
+            <a:picLocks noChangeAspect="1"/>
+          </p:cNvPicPr>
+          <p:nvPr/>
+        </p:nvPicPr>
+        <p:blipFill rotWithShape="1">
+          <a:blip r:embed="rId4"/>
+          <a:srcRect l="59023"/>
+          <a:stretch/>
+        </p:blipFill>
+        <p:spPr>
+          <a:xfrm>
+            <a:off x="7088483" y="3891609"/>
+            <a:ext cx="3567358" cy="2299989"/>
+          </a:xfrm>
+          <a:prstGeom prst="rect">
+            <a:avLst/>
+          </a:prstGeom>
+        </p:spPr>
+      </p:pic>
+      <p:pic>
+        <p:nvPicPr>
+          <p:cNvPr id="21" name="그림 20"/>
+          <p:cNvPicPr>
+            <a:picLocks noChangeAspect="1"/>
+          </p:cNvPicPr>
+          <p:nvPr/>
+        </p:nvPicPr>
+        <p:blipFill rotWithShape="1">
+          <a:blip r:embed="rId4"/>
+          <a:srcRect l="-726" r="40886"/>
+          <a:stretch/>
+        </p:blipFill>
+        <p:spPr>
+          <a:xfrm>
+            <a:off x="2117195" y="3944195"/>
+            <a:ext cx="4971288" cy="2194819"/>
+          </a:xfrm>
+          <a:prstGeom prst="rect">
+            <a:avLst/>
+          </a:prstGeom>
+        </p:spPr>
+      </p:pic>
     </p:spTree>
     <p:extLst>
       <p:ext uri="{BB962C8B-B14F-4D97-AF65-F5344CB8AC3E}">
@@ -8224,28 +8129,74 @@
                             </p:stCondLst>
                             <p:childTnLst>
                               <p:par>
-                                <p:cTn id="5" presetID="14" presetClass="exit" presetSubtype="5" fill="hold" nodeType="clickEffect">
+                                <p:cTn id="5" presetID="42" presetClass="exit" presetSubtype="0" fill="hold" nodeType="clickEffect">
                                   <p:stCondLst>
                                     <p:cond delay="0"/>
                                   </p:stCondLst>
                                   <p:childTnLst>
-                                    <p:animEffect transition="out" filter="randombar(vertical)">
+                                    <p:animEffect transition="out" filter="fade">
                                       <p:cBhvr>
-                                        <p:cTn id="6" dur="500"/>
+                                        <p:cTn id="6" dur="1000"/>
                                         <p:tgtEl>
-                                          <p:spTgt spid="1001"/>
+                                          <p:spTgt spid="21"/>
                                         </p:tgtEl>
                                       </p:cBhvr>
                                     </p:animEffect>
+                                    <p:anim calcmode="lin" valueType="num">
+                                      <p:cBhvr>
+                                        <p:cTn id="7" dur="1000"/>
+                                        <p:tgtEl>
+                                          <p:spTgt spid="21"/>
+                                        </p:tgtEl>
+                                        <p:attrNameLst>
+                                          <p:attrName>ppt_x</p:attrName>
+                                        </p:attrNameLst>
+                                      </p:cBhvr>
+                                      <p:tavLst>
+                                        <p:tav tm="0">
+                                          <p:val>
+                                            <p:strVal val="ppt_x"/>
+                                          </p:val>
+                                        </p:tav>
+                                        <p:tav tm="100000">
+                                          <p:val>
+                                            <p:strVal val="ppt_x"/>
+                                          </p:val>
+                                        </p:tav>
+                                      </p:tavLst>
+                                    </p:anim>
+                                    <p:anim calcmode="lin" valueType="num">
+                                      <p:cBhvr>
+                                        <p:cTn id="8" dur="1000"/>
+                                        <p:tgtEl>
+                                          <p:spTgt spid="21"/>
+                                        </p:tgtEl>
+                                        <p:attrNameLst>
+                                          <p:attrName>ppt_y</p:attrName>
+                                        </p:attrNameLst>
+                                      </p:cBhvr>
+                                      <p:tavLst>
+                                        <p:tav tm="0">
+                                          <p:val>
+                                            <p:strVal val="ppt_y"/>
+                                          </p:val>
+                                        </p:tav>
+                                        <p:tav tm="100000">
+                                          <p:val>
+                                            <p:strVal val="ppt_y+.1"/>
+                                          </p:val>
+                                        </p:tav>
+                                      </p:tavLst>
+                                    </p:anim>
                                     <p:set>
                                       <p:cBhvr>
-                                        <p:cTn id="7" dur="1" fill="hold">
+                                        <p:cTn id="9" dur="1" fill="hold">
                                           <p:stCondLst>
-                                            <p:cond delay="499"/>
+                                            <p:cond delay="999"/>
                                           </p:stCondLst>
                                         </p:cTn>
                                         <p:tgtEl>
-                                          <p:spTgt spid="1001"/>
+                                          <p:spTgt spid="21"/>
                                         </p:tgtEl>
                                         <p:attrNameLst>
                                           <p:attrName>style.visibility</p:attrName>
@@ -8255,6 +8206,46 @@
                                         <p:strVal val="hidden"/>
                                       </p:to>
                                     </p:set>
+                                  </p:childTnLst>
+                                </p:cTn>
+                              </p:par>
+                            </p:childTnLst>
+                          </p:cTn>
+                        </p:par>
+                      </p:childTnLst>
+                    </p:cTn>
+                  </p:par>
+                  <p:par>
+                    <p:cTn id="10" fill="hold">
+                      <p:stCondLst>
+                        <p:cond delay="indefinite"/>
+                      </p:stCondLst>
+                      <p:childTnLst>
+                        <p:par>
+                          <p:cTn id="11" fill="hold">
+                            <p:stCondLst>
+                              <p:cond delay="0"/>
+                            </p:stCondLst>
+                            <p:childTnLst>
+                              <p:par>
+                                <p:cTn id="12" presetID="35" presetClass="path" presetSubtype="0" accel="50000" decel="50000" fill="hold" nodeType="clickEffect">
+                                  <p:stCondLst>
+                                    <p:cond delay="100"/>
+                                  </p:stCondLst>
+                                  <p:childTnLst>
+                                    <p:animMotion origin="layout" path="M 0.08008 -0.01527 L -0.16992 -0.01527 " pathEditMode="relative" rAng="0" ptsTypes="AA">
+                                      <p:cBhvr>
+                                        <p:cTn id="13" dur="2000" fill="hold"/>
+                                        <p:tgtEl>
+                                          <p:spTgt spid="2"/>
+                                        </p:tgtEl>
+                                        <p:attrNameLst>
+                                          <p:attrName>ppt_x</p:attrName>
+                                          <p:attrName>ppt_y</p:attrName>
+                                        </p:attrNameLst>
+                                      </p:cBhvr>
+                                      <p:rCtr x="-12500" y="0"/>
+                                    </p:animMotion>
                                   </p:childTnLst>
                                 </p:cTn>
                               </p:par>

--- a/documents/발표/[최종발표]개발보고안_V1.pptx
+++ b/documents/발표/[최종발표]개발보고안_V1.pptx
@@ -5,7 +5,7 @@
     <p:sldMasterId id="2147483648" r:id="rId1"/>
   </p:sldMasterIdLst>
   <p:notesMasterIdLst>
-    <p:notesMasterId r:id="rId21"/>
+    <p:notesMasterId r:id="rId20"/>
   </p:notesMasterIdLst>
   <p:sldIdLst>
     <p:sldId id="256" r:id="rId2"/>
@@ -25,22 +25,25 @@
     <p:sldId id="275" r:id="rId16"/>
     <p:sldId id="276" r:id="rId17"/>
     <p:sldId id="267" r:id="rId18"/>
-    <p:sldId id="269" r:id="rId19"/>
-    <p:sldId id="257" r:id="rId20"/>
+    <p:sldId id="257" r:id="rId19"/>
   </p:sldIdLst>
   <p:sldSz cx="12192000" cy="6858000"/>
   <p:notesSz cx="6858000" cy="9144000"/>
   <p:embeddedFontLst>
     <p:embeddedFont>
+      <p:font typeface="나눔스퀘어라운드 ExtraBold" panose="020B0600000101010101" pitchFamily="50" charset="-127"/>
+      <p:bold r:id="rId21"/>
+    </p:embeddedFont>
+    <p:embeddedFont>
       <p:font typeface="나눔스퀘어_ac Bold" panose="020B0600000101010101" pitchFamily="50" charset="-127"/>
       <p:bold r:id="rId22"/>
     </p:embeddedFont>
     <p:embeddedFont>
-      <p:font typeface="a아시아고딕B" panose="02020600000000000000" pitchFamily="18" charset="-127"/>
-      <p:regular r:id="rId23"/>
+      <p:font typeface="나눔스퀘어_ac ExtraBold" panose="020B0600000101010101" pitchFamily="50" charset="-127"/>
+      <p:bold r:id="rId23"/>
     </p:embeddedFont>
     <p:embeddedFont>
-      <p:font typeface="나눔스퀘어라운드 ExtraBold" panose="020B0600000101010101" pitchFamily="50" charset="-127"/>
+      <p:font typeface="나눔스퀘어 Bold" panose="020B0600000101010101" pitchFamily="50" charset="-127"/>
       <p:bold r:id="rId24"/>
     </p:embeddedFont>
     <p:embeddedFont>
@@ -49,29 +52,25 @@
       <p:italic r:id="rId26"/>
     </p:embeddedFont>
     <p:embeddedFont>
-      <p:font typeface="나눔스퀘어 Bold" panose="020B0600000101010101" pitchFamily="50" charset="-127"/>
-      <p:bold r:id="rId27"/>
+      <p:font typeface="a아시아고딕E" panose="02020600000000000000" pitchFamily="18" charset="-127"/>
+      <p:regular r:id="rId27"/>
+    </p:embeddedFont>
+    <p:embeddedFont>
+      <p:font typeface="나눔바른고딕 Light" panose="020B0603020101020101" pitchFamily="50" charset="-127"/>
+      <p:regular r:id="rId28"/>
+    </p:embeddedFont>
+    <p:embeddedFont>
+      <p:font typeface="a아시아고딕B" panose="02020600000000000000" pitchFamily="18" charset="-127"/>
+      <p:regular r:id="rId29"/>
+    </p:embeddedFont>
+    <p:embeddedFont>
+      <p:font typeface="맑은 고딕" panose="020B0503020000020004" pitchFamily="50" charset="-127"/>
+      <p:regular r:id="rId30"/>
+      <p:bold r:id="rId31"/>
     </p:embeddedFont>
     <p:embeddedFont>
       <p:font typeface="a아시아고딕L" panose="02020600000000000000" pitchFamily="18" charset="-127"/>
-      <p:regular r:id="rId28"/>
-    </p:embeddedFont>
-    <p:embeddedFont>
-      <p:font typeface="나눔스퀘어_ac ExtraBold" panose="020B0600000101010101" pitchFamily="50" charset="-127"/>
-      <p:bold r:id="rId29"/>
-    </p:embeddedFont>
-    <p:embeddedFont>
-      <p:font typeface="a아시아고딕E" panose="02020600000000000000" pitchFamily="18" charset="-127"/>
-      <p:regular r:id="rId30"/>
-    </p:embeddedFont>
-    <p:embeddedFont>
-      <p:font typeface="맑은 고딕" panose="020B0503020000020004" pitchFamily="50" charset="-127"/>
-      <p:regular r:id="rId31"/>
-      <p:bold r:id="rId32"/>
-    </p:embeddedFont>
-    <p:embeddedFont>
-      <p:font typeface="나눔바른고딕 Light" panose="020B0603020101020101" pitchFamily="50" charset="-127"/>
-      <p:regular r:id="rId33"/>
+      <p:regular r:id="rId32"/>
     </p:embeddedFont>
   </p:embeddedFontLst>
   <p:defaultTextStyle>
@@ -7289,93 +7288,6 @@
         </p:nvSpPr>
         <p:spPr>
           <a:xfrm>
-            <a:off x="5180559" y="3130177"/>
-            <a:ext cx="3176953" cy="461665"/>
-          </a:xfrm>
-          <a:prstGeom prst="rect">
-            <a:avLst/>
-          </a:prstGeom>
-          <a:noFill/>
-        </p:spPr>
-        <p:txBody>
-          <a:bodyPr wrap="square" rtlCol="0">
-            <a:spAutoFit/>
-          </a:bodyPr>
-          <a:lstStyle/>
-          <a:p>
-            <a:r>
-              <a:rPr lang="en-US" altLang="ko-KR" sz="2400" dirty="0">
-                <a:latin typeface="나눔스퀘어_ac Bold" panose="020B0600000101010101" pitchFamily="50" charset="-127"/>
-                <a:ea typeface="나눔스퀘어_ac Bold" panose="020B0600000101010101" pitchFamily="50" charset="-127"/>
-              </a:rPr>
-              <a:t>4</a:t>
-            </a:r>
-            <a:r>
-              <a:rPr lang="en-US" altLang="ko-KR" sz="2400" dirty="0" smtClean="0">
-                <a:latin typeface="나눔스퀘어_ac Bold" panose="020B0600000101010101" pitchFamily="50" charset="-127"/>
-                <a:ea typeface="나눔스퀘어_ac Bold" panose="020B0600000101010101" pitchFamily="50" charset="-127"/>
-              </a:rPr>
-              <a:t>. </a:t>
-            </a:r>
-            <a:r>
-              <a:rPr lang="ko-KR" altLang="en-US" sz="2400" dirty="0" err="1" smtClean="0">
-                <a:latin typeface="나눔스퀘어_ac Bold" panose="020B0600000101010101" pitchFamily="50" charset="-127"/>
-                <a:ea typeface="나눔스퀘어_ac Bold" panose="020B0600000101010101" pitchFamily="50" charset="-127"/>
-              </a:rPr>
-              <a:t>향후계획</a:t>
-            </a:r>
-            <a:endParaRPr lang="ko-KR" altLang="en-US" sz="2400" dirty="0">
-              <a:latin typeface="나눔스퀘어_ac Bold" panose="020B0600000101010101" pitchFamily="50" charset="-127"/>
-              <a:ea typeface="나눔스퀘어_ac Bold" panose="020B0600000101010101" pitchFamily="50" charset="-127"/>
-            </a:endParaRPr>
-          </a:p>
-        </p:txBody>
-      </p:sp>
-    </p:spTree>
-    <p:extLst>
-      <p:ext uri="{BB962C8B-B14F-4D97-AF65-F5344CB8AC3E}">
-        <p14:creationId xmlns:p14="http://schemas.microsoft.com/office/powerpoint/2010/main" val="1392312025"/>
-      </p:ext>
-    </p:extLst>
-  </p:cSld>
-  <p:clrMapOvr>
-    <a:masterClrMapping/>
-  </p:clrMapOvr>
-  <p:timing>
-    <p:tnLst>
-      <p:par>
-        <p:cTn id="1" dur="indefinite" restart="never" nodeType="tmRoot"/>
-      </p:par>
-    </p:tnLst>
-  </p:timing>
-</p:sld>
-</file>
-
-<file path=ppt/slides/slide19.xml><?xml version="1.0" encoding="utf-8"?>
-<p:sld xmlns:a="http://schemas.openxmlformats.org/drawingml/2006/main" xmlns:r="http://schemas.openxmlformats.org/officeDocument/2006/relationships" xmlns:p="http://schemas.openxmlformats.org/presentationml/2006/main">
-  <p:cSld>
-    <p:spTree>
-      <p:nvGrpSpPr>
-        <p:cNvPr id="1" name=""/>
-        <p:cNvGrpSpPr/>
-        <p:nvPr/>
-      </p:nvGrpSpPr>
-      <p:grpSpPr>
-        <a:xfrm>
-          <a:off x="0" y="0"/>
-          <a:ext cx="0" cy="0"/>
-          <a:chOff x="0" y="0"/>
-          <a:chExt cx="0" cy="0"/>
-        </a:xfrm>
-      </p:grpSpPr>
-      <p:sp>
-        <p:nvSpPr>
-          <p:cNvPr id="2" name="TextBox 1"/>
-          <p:cNvSpPr txBox="1"/>
-          <p:nvPr/>
-        </p:nvSpPr>
-        <p:spPr>
-          <a:xfrm>
             <a:off x="4919302" y="3173125"/>
             <a:ext cx="3176953" cy="584775"/>
           </a:xfrm>
@@ -7449,7 +7361,7 @@
         </p:nvSpPr>
         <p:spPr>
           <a:xfrm>
-            <a:off x="6644756" y="3877329"/>
+            <a:off x="8080364" y="4874025"/>
             <a:ext cx="3176953" cy="461665"/>
           </a:xfrm>
           <a:prstGeom prst="rect">
@@ -7486,13 +7398,13 @@
       </p:sp>
       <p:sp>
         <p:nvSpPr>
-          <p:cNvPr id="11" name="TextBox 10"/>
+          <p:cNvPr id="9" name="TextBox 8"/>
           <p:cNvSpPr txBox="1"/>
           <p:nvPr/>
         </p:nvSpPr>
         <p:spPr>
           <a:xfrm>
-            <a:off x="9426289" y="4746838"/>
+            <a:off x="4496267" y="3149073"/>
             <a:ext cx="3176953" cy="461665"/>
           </a:xfrm>
           <a:prstGeom prst="rect">
@@ -7507,18 +7419,39 @@
           <a:lstStyle/>
           <a:p>
             <a:r>
+              <a:rPr lang="en-US" altLang="ko-KR" sz="2400" dirty="0">
+                <a:latin typeface="나눔스퀘어_ac Bold" panose="020B0600000101010101" pitchFamily="50" charset="-127"/>
+                <a:ea typeface="나눔스퀘어_ac Bold" panose="020B0600000101010101" pitchFamily="50" charset="-127"/>
+              </a:rPr>
+              <a:t>2</a:t>
+            </a:r>
+            <a:r>
               <a:rPr lang="en-US" altLang="ko-KR" sz="2400" dirty="0" smtClean="0">
                 <a:latin typeface="나눔스퀘어_ac Bold" panose="020B0600000101010101" pitchFamily="50" charset="-127"/>
                 <a:ea typeface="나눔스퀘어_ac Bold" panose="020B0600000101010101" pitchFamily="50" charset="-127"/>
               </a:rPr>
-              <a:t>4. </a:t>
-            </a:r>
-            <a:r>
-              <a:rPr lang="ko-KR" altLang="en-US" sz="2400" dirty="0" smtClean="0">
+              <a:t>.  </a:t>
+            </a:r>
+            <a:r>
+              <a:rPr lang="ko-KR" altLang="en-US" sz="2400" dirty="0" err="1" smtClean="0">
                 <a:latin typeface="나눔스퀘어_ac Bold" panose="020B0600000101010101" pitchFamily="50" charset="-127"/>
                 <a:ea typeface="나눔스퀘어_ac Bold" panose="020B0600000101010101" pitchFamily="50" charset="-127"/>
               </a:rPr>
-              <a:t>향후 계획</a:t>
+              <a:t>기술스택</a:t>
+            </a:r>
+            <a:r>
+              <a:rPr lang="en-US" altLang="ko-KR" sz="2400" dirty="0" smtClean="0">
+                <a:latin typeface="나눔스퀘어_ac Bold" panose="020B0600000101010101" pitchFamily="50" charset="-127"/>
+                <a:ea typeface="나눔스퀘어_ac Bold" panose="020B0600000101010101" pitchFamily="50" charset="-127"/>
+              </a:rPr>
+              <a:t>/</a:t>
+            </a:r>
+            <a:r>
+              <a:rPr lang="ko-KR" altLang="en-US" sz="2400" dirty="0" err="1" smtClean="0">
+                <a:latin typeface="나눔스퀘어_ac Bold" panose="020B0600000101010101" pitchFamily="50" charset="-127"/>
+                <a:ea typeface="나눔스퀘어_ac Bold" panose="020B0600000101010101" pitchFamily="50" charset="-127"/>
+              </a:rPr>
+              <a:t>개발진행</a:t>
             </a:r>
             <a:endParaRPr lang="ko-KR" altLang="en-US" sz="2400" dirty="0">
               <a:latin typeface="나눔스퀘어_ac Bold" panose="020B0600000101010101" pitchFamily="50" charset="-127"/>
@@ -7529,77 +7462,13 @@
       </p:sp>
       <p:sp>
         <p:nvSpPr>
-          <p:cNvPr id="9" name="TextBox 8"/>
-          <p:cNvSpPr txBox="1"/>
-          <p:nvPr/>
-        </p:nvSpPr>
-        <p:spPr>
-          <a:xfrm>
-            <a:off x="3060659" y="2152377"/>
-            <a:ext cx="3176953" cy="461665"/>
-          </a:xfrm>
-          <a:prstGeom prst="rect">
-            <a:avLst/>
-          </a:prstGeom>
-          <a:noFill/>
-        </p:spPr>
-        <p:txBody>
-          <a:bodyPr wrap="square" rtlCol="0">
-            <a:spAutoFit/>
-          </a:bodyPr>
-          <a:lstStyle/>
-          <a:p>
-            <a:r>
-              <a:rPr lang="en-US" altLang="ko-KR" sz="2400" dirty="0">
-                <a:latin typeface="나눔스퀘어_ac Bold" panose="020B0600000101010101" pitchFamily="50" charset="-127"/>
-                <a:ea typeface="나눔스퀘어_ac Bold" panose="020B0600000101010101" pitchFamily="50" charset="-127"/>
-              </a:rPr>
-              <a:t>2</a:t>
-            </a:r>
-            <a:r>
-              <a:rPr lang="en-US" altLang="ko-KR" sz="2400" dirty="0" smtClean="0">
-                <a:latin typeface="나눔스퀘어_ac Bold" panose="020B0600000101010101" pitchFamily="50" charset="-127"/>
-                <a:ea typeface="나눔스퀘어_ac Bold" panose="020B0600000101010101" pitchFamily="50" charset="-127"/>
-              </a:rPr>
-              <a:t>.  </a:t>
-            </a:r>
-            <a:r>
-              <a:rPr lang="ko-KR" altLang="en-US" sz="2400" dirty="0" err="1" smtClean="0">
-                <a:latin typeface="나눔스퀘어_ac Bold" panose="020B0600000101010101" pitchFamily="50" charset="-127"/>
-                <a:ea typeface="나눔스퀘어_ac Bold" panose="020B0600000101010101" pitchFamily="50" charset="-127"/>
-              </a:rPr>
-              <a:t>기술스택</a:t>
-            </a:r>
-            <a:r>
-              <a:rPr lang="en-US" altLang="ko-KR" sz="2400" dirty="0" smtClean="0">
-                <a:latin typeface="나눔스퀘어_ac Bold" panose="020B0600000101010101" pitchFamily="50" charset="-127"/>
-                <a:ea typeface="나눔스퀘어_ac Bold" panose="020B0600000101010101" pitchFamily="50" charset="-127"/>
-              </a:rPr>
-              <a:t>/</a:t>
-            </a:r>
-            <a:r>
-              <a:rPr lang="ko-KR" altLang="en-US" sz="2400" dirty="0" err="1" smtClean="0">
-                <a:latin typeface="나눔스퀘어_ac Bold" panose="020B0600000101010101" pitchFamily="50" charset="-127"/>
-                <a:ea typeface="나눔스퀘어_ac Bold" panose="020B0600000101010101" pitchFamily="50" charset="-127"/>
-              </a:rPr>
-              <a:t>개발진행</a:t>
-            </a:r>
-            <a:endParaRPr lang="ko-KR" altLang="en-US" sz="2400" dirty="0">
-              <a:latin typeface="나눔스퀘어_ac Bold" panose="020B0600000101010101" pitchFamily="50" charset="-127"/>
-              <a:ea typeface="나눔스퀘어_ac Bold" panose="020B0600000101010101" pitchFamily="50" charset="-127"/>
-            </a:endParaRPr>
-          </a:p>
-        </p:txBody>
-      </p:sp>
-      <p:sp>
-        <p:nvSpPr>
           <p:cNvPr id="8" name="TextBox 7"/>
           <p:cNvSpPr txBox="1"/>
           <p:nvPr/>
         </p:nvSpPr>
         <p:spPr>
           <a:xfrm>
-            <a:off x="451807" y="633633"/>
+            <a:off x="1887415" y="1630329"/>
             <a:ext cx="3176953" cy="461665"/>
           </a:xfrm>
           <a:prstGeom prst="rect">
@@ -7737,7 +7606,7 @@
         </p:nvSpPr>
         <p:spPr>
           <a:xfrm>
-            <a:off x="3692356" y="2614042"/>
+            <a:off x="5127964" y="3610738"/>
             <a:ext cx="2952400" cy="1169551"/>
           </a:xfrm>
           <a:prstGeom prst="rect">
